--- a/AssemblyDone/RotationP.pptx
+++ b/AssemblyDone/RotationP.pptx
@@ -3300,7 +3300,7 @@
         <p:spPr>
           <a:xfrm>
             <a:off x="5076056" y="1556792"/>
-            <a:ext cx="3384376" cy="2308324"/>
+            <a:ext cx="3384376" cy="2585323"/>
           </a:xfrm>
           <a:prstGeom prst="rect">
             <a:avLst/>
@@ -3323,7 +3323,19 @@
             <a:pPr algn="l" rtl="0"/>
             <a:r>
               <a:rPr lang="en-US" b="1" dirty="0" smtClean="0"/>
-              <a:t>Bellow is an example of an object being rotated about the point of your mouse. Enjoy this demo.</a:t>
+              <a:t>Bellow is an example of an object being rotated about </a:t>
+            </a:r>
+            <a:r>
+              <a:rPr lang="en-US" b="1" dirty="0" smtClean="0"/>
+              <a:t>its origin as you </a:t>
+            </a:r>
+            <a:r>
+              <a:rPr lang="en-US" b="1" smtClean="0"/>
+              <a:t>hold the mouse. </a:t>
+            </a:r>
+            <a:r>
+              <a:rPr lang="en-US" b="1" dirty="0" smtClean="0"/>
+              <a:t>Enjoy this demo.</a:t>
             </a:r>
             <a:endParaRPr lang="he-IL" b="1" dirty="0"/>
           </a:p>

--- a/AssemblyDone/RotationP.pptx
+++ b/AssemblyDone/RotationP.pptx
@@ -301,7 +301,7 @@
           <a:p>
             <a:fld id="{314BDE4C-09A0-4F10-8087-41B24A030C2D}" type="datetimeFigureOut">
               <a:rPr lang="he-IL" smtClean="0"/>
-              <a:t>י"ב/סיון/תשע"ה</a:t>
+              <a:t>י"ח/סיון/תשע"ה</a:t>
             </a:fld>
             <a:endParaRPr lang="he-IL"/>
           </a:p>
@@ -466,7 +466,7 @@
           <a:p>
             <a:fld id="{314BDE4C-09A0-4F10-8087-41B24A030C2D}" type="datetimeFigureOut">
               <a:rPr lang="he-IL" smtClean="0"/>
-              <a:t>י"ב/סיון/תשע"ה</a:t>
+              <a:t>י"ח/סיון/תשע"ה</a:t>
             </a:fld>
             <a:endParaRPr lang="he-IL"/>
           </a:p>
@@ -641,7 +641,7 @@
           <a:p>
             <a:fld id="{314BDE4C-09A0-4F10-8087-41B24A030C2D}" type="datetimeFigureOut">
               <a:rPr lang="he-IL" smtClean="0"/>
-              <a:t>י"ב/סיון/תשע"ה</a:t>
+              <a:t>י"ח/סיון/תשע"ה</a:t>
             </a:fld>
             <a:endParaRPr lang="he-IL"/>
           </a:p>
@@ -806,7 +806,7 @@
           <a:p>
             <a:fld id="{314BDE4C-09A0-4F10-8087-41B24A030C2D}" type="datetimeFigureOut">
               <a:rPr lang="he-IL" smtClean="0"/>
-              <a:t>י"ב/סיון/תשע"ה</a:t>
+              <a:t>י"ח/סיון/תשע"ה</a:t>
             </a:fld>
             <a:endParaRPr lang="he-IL"/>
           </a:p>
@@ -1047,7 +1047,7 @@
           <a:p>
             <a:fld id="{314BDE4C-09A0-4F10-8087-41B24A030C2D}" type="datetimeFigureOut">
               <a:rPr lang="he-IL" smtClean="0"/>
-              <a:t>י"ב/סיון/תשע"ה</a:t>
+              <a:t>י"ח/סיון/תשע"ה</a:t>
             </a:fld>
             <a:endParaRPr lang="he-IL"/>
           </a:p>
@@ -1330,7 +1330,7 @@
           <a:p>
             <a:fld id="{314BDE4C-09A0-4F10-8087-41B24A030C2D}" type="datetimeFigureOut">
               <a:rPr lang="he-IL" smtClean="0"/>
-              <a:t>י"ב/סיון/תשע"ה</a:t>
+              <a:t>י"ח/סיון/תשע"ה</a:t>
             </a:fld>
             <a:endParaRPr lang="he-IL"/>
           </a:p>
@@ -1759,7 +1759,7 @@
           <a:p>
             <a:fld id="{314BDE4C-09A0-4F10-8087-41B24A030C2D}" type="datetimeFigureOut">
               <a:rPr lang="he-IL" smtClean="0"/>
-              <a:t>י"ב/סיון/תשע"ה</a:t>
+              <a:t>י"ח/סיון/תשע"ה</a:t>
             </a:fld>
             <a:endParaRPr lang="he-IL"/>
           </a:p>
@@ -1872,7 +1872,7 @@
           <a:p>
             <a:fld id="{314BDE4C-09A0-4F10-8087-41B24A030C2D}" type="datetimeFigureOut">
               <a:rPr lang="he-IL" smtClean="0"/>
-              <a:t>י"ב/סיון/תשע"ה</a:t>
+              <a:t>י"ח/סיון/תשע"ה</a:t>
             </a:fld>
             <a:endParaRPr lang="he-IL"/>
           </a:p>
@@ -1962,7 +1962,7 @@
           <a:p>
             <a:fld id="{314BDE4C-09A0-4F10-8087-41B24A030C2D}" type="datetimeFigureOut">
               <a:rPr lang="he-IL" smtClean="0"/>
-              <a:t>י"ב/סיון/תשע"ה</a:t>
+              <a:t>י"ח/סיון/תשע"ה</a:t>
             </a:fld>
             <a:endParaRPr lang="he-IL"/>
           </a:p>
@@ -2151,7 +2151,7 @@
           <a:p>
             <a:fld id="{314BDE4C-09A0-4F10-8087-41B24A030C2D}" type="datetimeFigureOut">
               <a:rPr lang="he-IL" smtClean="0"/>
-              <a:t>י"ב/סיון/תשע"ה</a:t>
+              <a:t>י"ח/סיון/תשע"ה</a:t>
             </a:fld>
             <a:endParaRPr lang="he-IL"/>
           </a:p>
@@ -2469,7 +2469,7 @@
           <a:p>
             <a:fld id="{314BDE4C-09A0-4F10-8087-41B24A030C2D}" type="datetimeFigureOut">
               <a:rPr lang="he-IL" smtClean="0"/>
-              <a:t>י"ב/סיון/תשע"ה</a:t>
+              <a:t>י"ח/סיון/תשע"ה</a:t>
             </a:fld>
             <a:endParaRPr lang="he-IL"/>
           </a:p>
@@ -2848,7 +2848,7 @@
           <a:p>
             <a:fld id="{314BDE4C-09A0-4F10-8087-41B24A030C2D}" type="datetimeFigureOut">
               <a:rPr lang="he-IL" smtClean="0"/>
-              <a:t>י"ב/סיון/תשע"ה</a:t>
+              <a:t>י"ח/סיון/תשע"ה</a:t>
             </a:fld>
             <a:endParaRPr lang="he-IL"/>
           </a:p>
@@ -3264,12 +3264,12 @@
               <a:t>”, this function changes the transformation between world space and page space of the selected device context. </a:t>
             </a:r>
             <a:r>
-              <a:rPr lang="en-US" b="1" dirty="0" err="1" smtClean="0"/>
-              <a:t>Essencially</a:t>
+              <a:rPr lang="en-US" b="1" smtClean="0"/>
+              <a:t>Essentially </a:t>
             </a:r>
             <a:r>
               <a:rPr lang="en-US" b="1" dirty="0" smtClean="0"/>
-              <a:t> for every point (</a:t>
+              <a:t>for every point (</a:t>
             </a:r>
             <a:r>
               <a:rPr lang="en-US" b="1" dirty="0" err="1" smtClean="0"/>
@@ -3323,19 +3323,11 @@
             <a:pPr algn="l" rtl="0"/>
             <a:r>
               <a:rPr lang="en-US" b="1" dirty="0" smtClean="0"/>
-              <a:t>Bellow is an example of an object being rotated about </a:t>
+              <a:t>Below </a:t>
             </a:r>
             <a:r>
               <a:rPr lang="en-US" b="1" dirty="0" smtClean="0"/>
-              <a:t>its origin as you </a:t>
-            </a:r>
-            <a:r>
-              <a:rPr lang="en-US" b="1" smtClean="0"/>
-              <a:t>hold the mouse. </a:t>
-            </a:r>
-            <a:r>
-              <a:rPr lang="en-US" b="1" dirty="0" smtClean="0"/>
-              <a:t>Enjoy this demo.</a:t>
+              <a:t>is an example of an object being rotated about its origin as you hold the mouse. Enjoy this demo.</a:t>
             </a:r>
             <a:endParaRPr lang="he-IL" b="1" dirty="0"/>
           </a:p>
